--- a/汇报.pptx
+++ b/汇报.pptx
@@ -5,23 +5,21 @@
     <p:sldMasterId id="2147483648" r:id="rId1"/>
   </p:sldMasterIdLst>
   <p:notesMasterIdLst>
-    <p:notesMasterId r:id="rId9"/>
+    <p:notesMasterId r:id="rId7"/>
   </p:notesMasterIdLst>
   <p:handoutMasterIdLst>
-    <p:handoutMasterId r:id="rId10"/>
+    <p:handoutMasterId r:id="rId8"/>
   </p:handoutMasterIdLst>
   <p:sldIdLst>
     <p:sldId id="256" r:id="rId3"/>
     <p:sldId id="315" r:id="rId4"/>
-    <p:sldId id="326" r:id="rId5"/>
-    <p:sldId id="329" r:id="rId6"/>
-    <p:sldId id="327" r:id="rId7"/>
-    <p:sldId id="328" r:id="rId8"/>
+    <p:sldId id="332" r:id="rId5"/>
+    <p:sldId id="333" r:id="rId6"/>
   </p:sldIdLst>
   <p:sldSz cx="12192000" cy="6858000"/>
   <p:notesSz cx="6858000" cy="9144000"/>
   <p:custDataLst>
-    <p:tags r:id="rId14"/>
+    <p:tags r:id="rId12"/>
   </p:custDataLst>
   <p:defaultTextStyle>
     <a:defPPr>
@@ -125,10 +123,8 @@
           <p14:sldIdLst>
             <p14:sldId id="256"/>
             <p14:sldId id="315"/>
-            <p14:sldId id="326"/>
-            <p14:sldId id="329"/>
-            <p14:sldId id="327"/>
-            <p14:sldId id="328"/>
+            <p14:sldId id="332"/>
+            <p14:sldId id="333"/>
           </p14:sldIdLst>
         </p14:section>
       </p14:sectionLst>
@@ -4226,16 +4222,19 @@
             </a:r>
             <a:r>
               <a:rPr lang="zh-CN" altLang="en-US"/>
-              <a:t>为什么</a:t>
-            </a:r>
-            <a:r>
-              <a:rPr lang="zh-CN" altLang="en-US"/>
-              <a:t>可以做到固定时间</a:t>
-            </a:r>
-            <a:endParaRPr lang="zh-CN" altLang="en-US"/>
-          </a:p>
-          <a:p>
-            <a:endParaRPr lang="zh-CN" altLang="en-US"/>
+              <a:t>不确定机器人关于具有预设性能的近似连续固定时间</a:t>
+            </a:r>
+            <a:r>
+              <a:rPr lang="zh-CN" altLang="en-US"/>
+              <a:t>终端滑模控制</a:t>
+            </a:r>
+            <a:endParaRPr lang="zh-CN" altLang="en-US"/>
+          </a:p>
+          <a:p>
+            <a:endParaRPr lang="en-US" altLang="zh-CN"/>
+          </a:p>
+          <a:p>
+            <a:endParaRPr lang="en-US" altLang="zh-CN"/>
           </a:p>
           <a:p>
             <a:r>
@@ -4244,13 +4243,9 @@
             </a:r>
             <a:r>
               <a:rPr lang="zh-CN" altLang="en-US"/>
-              <a:t>固定时间的</a:t>
-            </a:r>
-            <a:r>
-              <a:rPr lang="zh-CN" altLang="en-US"/>
-              <a:t>证明</a:t>
-            </a:r>
-            <a:endParaRPr lang="zh-CN" altLang="en-US"/>
+              <a:t>固定时间的证明</a:t>
+            </a:r>
+            <a:endParaRPr lang="en-US" altLang="zh-CN"/>
           </a:p>
         </p:txBody>
       </p:sp>
@@ -4287,34 +4282,125 @@
           <a:bodyPr/>
           <a:p>
             <a:r>
+              <a:rPr lang="en-US" altLang="zh-CN">
+                <a:sym typeface="+mn-ea"/>
+              </a:rPr>
+              <a:t>1.</a:t>
+            </a:r>
+            <a:r>
+              <a:rPr lang="zh-CN" altLang="en-US">
+                <a:sym typeface="+mn-ea"/>
+              </a:rPr>
+              <a:t>不确定机器人关于具有预设性能的近似连续固定时间终端滑模控制</a:t>
+            </a:r>
+            <a:endParaRPr lang="zh-CN" altLang="en-US"/>
+          </a:p>
+        </p:txBody>
+      </p:sp>
+      <p:sp>
+        <p:nvSpPr>
+          <p:cNvPr id="3" name="内容占位符 2"/>
+          <p:cNvSpPr>
+            <a:spLocks noGrp="1"/>
+          </p:cNvSpPr>
+          <p:nvPr>
+            <p:ph idx="1"/>
+          </p:nvPr>
+        </p:nvSpPr>
+        <p:spPr/>
+        <p:txBody>
+          <a:bodyPr>
+            <a:normAutofit lnSpcReduction="10000"/>
+          </a:bodyPr>
+          <a:p>
+            <a:r>
+              <a:rPr lang="zh-CN" altLang="en-US"/>
+              <a:t>结合不确定机器人的预设性能</a:t>
+            </a:r>
+            <a:r>
+              <a:rPr lang="en-US" altLang="zh-CN"/>
+              <a:t>,</a:t>
+            </a:r>
+            <a:r>
+              <a:rPr lang="zh-CN" altLang="en-US"/>
+              <a:t>研究新的固定时间终端</a:t>
+            </a:r>
+            <a:r>
+              <a:rPr lang="zh-CN" altLang="en-US"/>
+              <a:t>滑模控制</a:t>
+            </a:r>
+            <a:endParaRPr lang="zh-CN" altLang="en-US"/>
+          </a:p>
+          <a:p>
+            <a:r>
               <a:rPr lang="en-US" altLang="zh-CN"/>
               <a:t>1.</a:t>
             </a:r>
             <a:r>
               <a:rPr lang="zh-CN" altLang="en-US"/>
-              <a:t>为什么可以做到</a:t>
-            </a:r>
-            <a:r>
-              <a:rPr lang="zh-CN" altLang="en-US"/>
-              <a:t>固定时间</a:t>
-            </a:r>
-            <a:endParaRPr lang="zh-CN" altLang="en-US"/>
-          </a:p>
-        </p:txBody>
-      </p:sp>
-      <p:sp>
-        <p:nvSpPr>
-          <p:cNvPr id="3" name="内容占位符 2"/>
-          <p:cNvSpPr>
-            <a:spLocks noGrp="1"/>
-          </p:cNvSpPr>
-          <p:nvPr>
-            <p:ph idx="1"/>
-          </p:nvPr>
-        </p:nvSpPr>
-        <p:spPr/>
-        <p:txBody>
-          <a:bodyPr/>
+              <a:t>首先</a:t>
+            </a:r>
+            <a:r>
+              <a:rPr lang="en-US" altLang="zh-CN"/>
+              <a:t>,</a:t>
+            </a:r>
+            <a:r>
+              <a:rPr lang="zh-CN" altLang="en-US"/>
+              <a:t>设计了一种新的固定时间</a:t>
+            </a:r>
+            <a:r>
+              <a:rPr lang="en-US" altLang="zh-CN"/>
+              <a:t>PPF,</a:t>
+            </a:r>
+            <a:r>
+              <a:rPr lang="zh-CN" altLang="en-US"/>
+              <a:t>保证提出预设性能的</a:t>
+            </a:r>
+            <a:r>
+              <a:rPr lang="zh-CN" altLang="en-US"/>
+              <a:t>固定时间收敛</a:t>
+            </a:r>
+            <a:endParaRPr lang="zh-CN" altLang="en-US"/>
+          </a:p>
+          <a:p>
+            <a:r>
+              <a:rPr lang="en-US" altLang="zh-CN"/>
+              <a:t>2.</a:t>
+            </a:r>
+            <a:r>
+              <a:rPr lang="zh-CN" altLang="en-US"/>
+              <a:t>同时构造一个固定时间滑模面</a:t>
+            </a:r>
+            <a:r>
+              <a:rPr lang="en-US" altLang="zh-CN"/>
+              <a:t>,</a:t>
+            </a:r>
+            <a:r>
+              <a:rPr lang="zh-CN" altLang="en-US"/>
+              <a:t>通过上述提出的固定时间</a:t>
+            </a:r>
+            <a:r>
+              <a:rPr lang="en-US" altLang="zh-CN"/>
+              <a:t>PPF</a:t>
+            </a:r>
+            <a:r>
+              <a:rPr lang="zh-CN" altLang="en-US"/>
+              <a:t>和滑模面</a:t>
+            </a:r>
+            <a:r>
+              <a:rPr lang="en-US" altLang="zh-CN"/>
+              <a:t>,</a:t>
+            </a:r>
+            <a:r>
+              <a:rPr lang="zh-CN" altLang="en-US"/>
+              <a:t>提出了近似连续固定时间</a:t>
+            </a:r>
+            <a:r>
+              <a:rPr lang="zh-CN" altLang="en-US"/>
+              <a:t>终端滑模控制</a:t>
+            </a:r>
+            <a:endParaRPr lang="zh-CN" altLang="en-US"/>
+          </a:p>
           <a:p>
             <a:r>
               <a:rPr lang="en-US" altLang="zh-CN"/>
@@ -4322,15 +4408,7 @@
             </a:r>
             <a:r>
               <a:rPr lang="zh-CN" altLang="en-US"/>
-              <a:t>利用修正的固定时间状态预测器和</a:t>
-            </a:r>
-            <a:r>
-              <a:rPr lang="en-US" altLang="zh-CN"/>
-              <a:t>UUBLF</a:t>
-            </a:r>
-            <a:r>
-              <a:rPr lang="zh-CN" altLang="en-US"/>
-              <a:t>对状态约束的非线性系统</a:t>
+              <a:t>保证了系统固定时间收敛到一个确定的小区域</a:t>
             </a:r>
             <a:r>
               <a:rPr lang="en-US" altLang="zh-CN"/>
@@ -4338,17 +4416,21 @@
             </a:r>
             <a:r>
               <a:rPr lang="zh-CN" altLang="en-US"/>
-              <a:t>提出了光滑的固定时间自适应神经</a:t>
+              <a:t>然后以指数衰减到达原点</a:t>
             </a:r>
             <a:r>
               <a:rPr lang="en-US" altLang="zh-CN"/>
-              <a:t>DSC</a:t>
-            </a:r>
-            <a:r>
-              <a:rPr lang="zh-CN" altLang="en-US"/>
-              <a:t>方案</a:t>
-            </a:r>
-            <a:endParaRPr lang="zh-CN" altLang="en-US"/>
+              <a:t>,</a:t>
+            </a:r>
+            <a:r>
+              <a:rPr lang="zh-CN" altLang="en-US"/>
+              <a:t>并保证了瞬态性能</a:t>
+            </a:r>
+            <a:r>
+              <a:rPr lang="en-US" altLang="zh-CN"/>
+              <a:t>.</a:t>
+            </a:r>
+            <a:endParaRPr lang="en-US" altLang="zh-CN"/>
           </a:p>
           <a:p>
             <a:r>
@@ -4357,7 +4439,18 @@
             </a:r>
             <a:r>
               <a:rPr lang="zh-CN" altLang="en-US"/>
-              <a:t>为了防止复杂度爆炸</a:t>
+              <a:t>分别保证了近似固定时间规定的性能稳定性和控制转矩的连续性</a:t>
+            </a:r>
+            <a:r>
+              <a:rPr lang="en-US" altLang="zh-CN"/>
+              <a:t>.</a:t>
+            </a:r>
+            <a:endParaRPr lang="en-US" altLang="zh-CN"/>
+          </a:p>
+          <a:p>
+            <a:r>
+              <a:rPr lang="zh-CN" altLang="en-US"/>
+              <a:t>具有跟踪精度高</a:t>
             </a:r>
             <a:r>
               <a:rPr lang="en-US" altLang="zh-CN"/>
@@ -4365,12 +4458,23 @@
             </a:r>
             <a:r>
               <a:rPr lang="zh-CN" altLang="en-US"/>
-              <a:t>应用新的固定时间滤波器产生虚拟信号及其</a:t>
-            </a:r>
-            <a:r>
-              <a:rPr lang="zh-CN" altLang="en-US"/>
-              <a:t>导数</a:t>
-            </a:r>
+              <a:t>能耗低</a:t>
+            </a:r>
+            <a:r>
+              <a:rPr lang="en-US" altLang="zh-CN"/>
+              <a:t>,</a:t>
+            </a:r>
+            <a:r>
+              <a:rPr lang="zh-CN" altLang="en-US"/>
+              <a:t>无颤振等优点</a:t>
+            </a:r>
+            <a:r>
+              <a:rPr lang="en-US" altLang="zh-CN"/>
+              <a:t>.</a:t>
+            </a:r>
+            <a:endParaRPr lang="zh-CN" altLang="en-US"/>
+          </a:p>
+          <a:p>
             <a:endParaRPr lang="zh-CN" altLang="en-US"/>
           </a:p>
         </p:txBody>
@@ -4409,15 +4513,15 @@
           <a:p>
             <a:r>
               <a:rPr lang="en-US" altLang="zh-CN"/>
-              <a:t>1.</a:t>
-            </a:r>
-            <a:r>
-              <a:rPr lang="zh-CN" altLang="en-US"/>
-              <a:t>为什么可以做到</a:t>
+              <a:t>2.</a:t>
             </a:r>
             <a:r>
               <a:rPr lang="zh-CN" altLang="en-US"/>
               <a:t>固定时间</a:t>
+            </a:r>
+            <a:r>
+              <a:rPr lang="zh-CN" altLang="en-US"/>
+              <a:t>的证明</a:t>
             </a:r>
             <a:endParaRPr lang="zh-CN" altLang="en-US"/>
           </a:p>
@@ -4441,399 +4545,8 @@
         </p:blipFill>
         <p:spPr>
           <a:xfrm>
-            <a:off x="1296035" y="2550795"/>
-            <a:ext cx="5801360" cy="2759075"/>
-          </a:xfrm>
-          <a:prstGeom prst="rect">
-            <a:avLst/>
-          </a:prstGeom>
-        </p:spPr>
-      </p:pic>
-      <p:sp>
-        <p:nvSpPr>
-          <p:cNvPr id="5" name="文本框 4"/>
-          <p:cNvSpPr txBox="1"/>
-          <p:nvPr/>
-        </p:nvSpPr>
-        <p:spPr>
-          <a:xfrm>
-            <a:off x="1295400" y="2021205"/>
-            <a:ext cx="10165715" cy="4032250"/>
-          </a:xfrm>
-          <a:prstGeom prst="rect">
-            <a:avLst/>
-          </a:prstGeom>
-          <a:noFill/>
-        </p:spPr>
-        <p:txBody>
-          <a:bodyPr wrap="square" rtlCol="0">
-            <a:noAutofit/>
-          </a:bodyPr>
-          <a:p>
-            <a:r>
-              <a:rPr lang="en-US" altLang="zh-CN"/>
-              <a:t>1.</a:t>
-            </a:r>
-            <a:r>
-              <a:rPr lang="zh-CN" altLang="en-US"/>
-              <a:t>防止系统状态违反约束</a:t>
-            </a:r>
-            <a:r>
-              <a:rPr lang="en-US" altLang="zh-CN"/>
-              <a:t>,</a:t>
-            </a:r>
-            <a:r>
-              <a:rPr lang="zh-CN" altLang="en-US"/>
-              <a:t>约束状态等价于构造控制器保证</a:t>
-            </a:r>
-            <a:r>
-              <a:rPr lang="zh-CN" altLang="en-US"/>
-              <a:t>转换变量的有界性</a:t>
-            </a:r>
-            <a:endParaRPr lang="zh-CN" altLang="en-US"/>
-          </a:p>
-        </p:txBody>
-      </p:sp>
-    </p:spTree>
-  </p:cSld>
-  <p:clrMapOvr>
-    <a:masterClrMapping/>
-  </p:clrMapOvr>
-</p:sld>
-</file>
-
-<file path=ppt/slides/slide5.xml><?xml version="1.0" encoding="utf-8"?>
-<p:sld xmlns:a="http://schemas.openxmlformats.org/drawingml/2006/main" xmlns:r="http://schemas.openxmlformats.org/officeDocument/2006/relationships" xmlns:p="http://schemas.openxmlformats.org/presentationml/2006/main">
-  <p:cSld>
-    <p:spTree>
-      <p:nvGrpSpPr>
-        <p:cNvPr id="1" name=""/>
-        <p:cNvGrpSpPr/>
-        <p:nvPr/>
-      </p:nvGrpSpPr>
-      <p:grpSpPr/>
-      <p:sp>
-        <p:nvSpPr>
-          <p:cNvPr id="2" name="标题 1"/>
-          <p:cNvSpPr>
-            <a:spLocks noGrp="1"/>
-          </p:cNvSpPr>
-          <p:nvPr>
-            <p:ph type="title"/>
-          </p:nvPr>
-        </p:nvSpPr>
-        <p:spPr/>
-        <p:txBody>
-          <a:bodyPr/>
-          <a:p>
-            <a:r>
-              <a:rPr lang="en-US" altLang="zh-CN"/>
-              <a:t>2.</a:t>
-            </a:r>
-            <a:r>
-              <a:rPr lang="zh-CN" altLang="en-US"/>
-              <a:t>固定时间的</a:t>
-            </a:r>
-            <a:r>
-              <a:rPr lang="zh-CN" altLang="en-US"/>
-              <a:t>证明</a:t>
-            </a:r>
-            <a:endParaRPr lang="zh-CN" altLang="en-US"/>
-          </a:p>
-        </p:txBody>
-      </p:sp>
-      <p:sp>
-        <p:nvSpPr>
-          <p:cNvPr id="3" name="内容占位符 2"/>
-          <p:cNvSpPr>
-            <a:spLocks noGrp="1"/>
-          </p:cNvSpPr>
-          <p:nvPr>
-            <p:ph idx="1"/>
-          </p:nvPr>
-        </p:nvSpPr>
-        <p:spPr>
-          <a:xfrm>
-            <a:off x="1450975" y="1397635"/>
-            <a:ext cx="9603740" cy="4068445"/>
-          </a:xfrm>
-        </p:spPr>
-        <p:txBody>
-          <a:bodyPr/>
-          <a:p>
-            <a:r>
-              <a:rPr lang="en-US" altLang="zh-CN"/>
-              <a:t>1.</a:t>
-            </a:r>
-            <a:endParaRPr lang="en-US" altLang="zh-CN"/>
-          </a:p>
-        </p:txBody>
-      </p:sp>
-      <p:pic>
-        <p:nvPicPr>
-          <p:cNvPr id="4" name="图片 3"/>
-          <p:cNvPicPr>
-            <a:picLocks noChangeAspect="1"/>
-          </p:cNvPicPr>
-          <p:nvPr/>
-        </p:nvPicPr>
-        <p:blipFill>
-          <a:blip r:embed="rId1"/>
-          <a:stretch>
-            <a:fillRect/>
-          </a:stretch>
-        </p:blipFill>
-        <p:spPr>
-          <a:xfrm>
-            <a:off x="5342255" y="19685"/>
-            <a:ext cx="5130800" cy="6838315"/>
-          </a:xfrm>
-          <a:prstGeom prst="rect">
-            <a:avLst/>
-          </a:prstGeom>
-        </p:spPr>
-      </p:pic>
-    </p:spTree>
-  </p:cSld>
-  <p:clrMapOvr>
-    <a:masterClrMapping/>
-  </p:clrMapOvr>
-</p:sld>
-</file>
-
-<file path=ppt/slides/slide6.xml><?xml version="1.0" encoding="utf-8"?>
-<p:sld xmlns:a="http://schemas.openxmlformats.org/drawingml/2006/main" xmlns:r="http://schemas.openxmlformats.org/officeDocument/2006/relationships" xmlns:p="http://schemas.openxmlformats.org/presentationml/2006/main">
-  <p:cSld>
-    <p:spTree>
-      <p:nvGrpSpPr>
-        <p:cNvPr id="1" name=""/>
-        <p:cNvGrpSpPr/>
-        <p:nvPr/>
-      </p:nvGrpSpPr>
-      <p:grpSpPr/>
-      <p:sp>
-        <p:nvSpPr>
-          <p:cNvPr id="2" name="标题 1"/>
-          <p:cNvSpPr>
-            <a:spLocks noGrp="1"/>
-          </p:cNvSpPr>
-          <p:nvPr>
-            <p:ph type="title"/>
-          </p:nvPr>
-        </p:nvSpPr>
-        <p:spPr/>
-        <p:txBody>
-          <a:bodyPr/>
-          <a:p>
-            <a:r>
-              <a:rPr lang="en-US" altLang="zh-CN"/>
-              <a:t>3.</a:t>
-            </a:r>
-            <a:r>
-              <a:rPr lang="zh-CN" altLang="en-US"/>
-              <a:t>问题</a:t>
-            </a:r>
-            <a:endParaRPr lang="zh-CN" altLang="en-US"/>
-          </a:p>
-        </p:txBody>
-      </p:sp>
-      <p:pic>
-        <p:nvPicPr>
-          <p:cNvPr id="4" name="内容占位符 3"/>
-          <p:cNvPicPr>
-            <a:picLocks noChangeAspect="1"/>
-          </p:cNvPicPr>
-          <p:nvPr>
-            <p:ph idx="1"/>
-          </p:nvPr>
-        </p:nvPicPr>
-        <p:blipFill>
-          <a:blip r:embed="rId1"/>
-          <a:stretch>
-            <a:fillRect/>
-          </a:stretch>
-        </p:blipFill>
-        <p:spPr>
-          <a:xfrm>
-            <a:off x="1537335" y="2392045"/>
-            <a:ext cx="4815840" cy="388620"/>
-          </a:xfrm>
-          <a:prstGeom prst="rect">
-            <a:avLst/>
-          </a:prstGeom>
-        </p:spPr>
-      </p:pic>
-      <p:sp>
-        <p:nvSpPr>
-          <p:cNvPr id="5" name="文本框 4"/>
-          <p:cNvSpPr txBox="1"/>
-          <p:nvPr>
-            <p:custDataLst>
-              <p:tags r:id="rId2"/>
-            </p:custDataLst>
-          </p:nvPr>
-        </p:nvSpPr>
-        <p:spPr>
-          <a:xfrm>
-            <a:off x="1536700" y="1910715"/>
-            <a:ext cx="9665335" cy="4087495"/>
-          </a:xfrm>
-          <a:prstGeom prst="rect">
-            <a:avLst/>
-          </a:prstGeom>
-          <a:noFill/>
-        </p:spPr>
-        <p:txBody>
-          <a:bodyPr wrap="square" rtlCol="0">
-            <a:noAutofit/>
-          </a:bodyPr>
-          <a:p>
-            <a:r>
-              <a:rPr lang="en-US" altLang="zh-CN"/>
-              <a:t>1.</a:t>
-            </a:r>
-            <a:r>
-              <a:rPr lang="zh-CN" altLang="en-US"/>
-              <a:t>权重估计误差和</a:t>
-            </a:r>
-            <a:r>
-              <a:rPr lang="en-US" altLang="zh-CN"/>
-              <a:t>g(q)</a:t>
-            </a:r>
-            <a:r>
-              <a:rPr lang="zh-CN" altLang="en-US"/>
-              <a:t>一致吗</a:t>
-            </a:r>
-            <a:endParaRPr lang="zh-CN" altLang="en-US"/>
-          </a:p>
-          <a:p>
-            <a:endParaRPr lang="zh-CN" altLang="en-US"/>
-          </a:p>
-          <a:p>
-            <a:endParaRPr lang="zh-CN" altLang="en-US"/>
-          </a:p>
-          <a:p>
-            <a:r>
-              <a:rPr lang="en-US" altLang="zh-CN"/>
-              <a:t>2.</a:t>
-            </a:r>
-            <a:r>
-              <a:rPr lang="zh-CN" altLang="en-US"/>
-              <a:t>候选李雅普诺夫</a:t>
-            </a:r>
-            <a:r>
-              <a:rPr lang="zh-CN" altLang="en-US"/>
-              <a:t>函数</a:t>
-            </a:r>
-            <a:endParaRPr lang="zh-CN" altLang="en-US"/>
-          </a:p>
-          <a:p>
-            <a:endParaRPr lang="zh-CN" altLang="en-US"/>
-          </a:p>
-          <a:p>
-            <a:endParaRPr lang="zh-CN" altLang="en-US"/>
-          </a:p>
-          <a:p>
-            <a:r>
-              <a:rPr lang="en-US" altLang="zh-CN"/>
-              <a:t>1.</a:t>
-            </a:r>
-            <a:endParaRPr lang="en-US" altLang="zh-CN"/>
-          </a:p>
-          <a:p>
-            <a:endParaRPr lang="en-US" altLang="zh-CN"/>
-          </a:p>
-          <a:p>
-            <a:r>
-              <a:rPr lang="en-US" altLang="zh-CN"/>
-              <a:t>2.</a:t>
-            </a:r>
-            <a:endParaRPr lang="en-US" altLang="zh-CN"/>
-          </a:p>
-          <a:p>
-            <a:endParaRPr lang="en-US" altLang="zh-CN"/>
-          </a:p>
-          <a:p>
-            <a:endParaRPr lang="en-US" altLang="zh-CN"/>
-          </a:p>
-          <a:p>
-            <a:endParaRPr lang="en-US" altLang="zh-CN"/>
-          </a:p>
-          <a:p>
-            <a:r>
-              <a:rPr lang="en-US" altLang="zh-CN"/>
-              <a:t>3.</a:t>
-            </a:r>
-            <a:endParaRPr lang="en-US" altLang="zh-CN"/>
-          </a:p>
-        </p:txBody>
-      </p:sp>
-      <p:pic>
-        <p:nvPicPr>
-          <p:cNvPr id="6" name="图片 5"/>
-          <p:cNvPicPr>
-            <a:picLocks noChangeAspect="1"/>
-          </p:cNvPicPr>
-          <p:nvPr/>
-        </p:nvPicPr>
-        <p:blipFill>
-          <a:blip r:embed="rId3"/>
-          <a:stretch>
-            <a:fillRect/>
-          </a:stretch>
-        </p:blipFill>
-        <p:spPr>
-          <a:xfrm>
-            <a:off x="1845945" y="3140710"/>
-            <a:ext cx="2758440" cy="723900"/>
-          </a:xfrm>
-          <a:prstGeom prst="rect">
-            <a:avLst/>
-          </a:prstGeom>
-        </p:spPr>
-      </p:pic>
-      <p:pic>
-        <p:nvPicPr>
-          <p:cNvPr id="7" name="图片 6"/>
-          <p:cNvPicPr>
-            <a:picLocks noChangeAspect="1"/>
-          </p:cNvPicPr>
-          <p:nvPr/>
-        </p:nvPicPr>
-        <p:blipFill>
-          <a:blip r:embed="rId4"/>
-          <a:stretch>
-            <a:fillRect/>
-          </a:stretch>
-        </p:blipFill>
-        <p:spPr>
-          <a:xfrm>
-            <a:off x="1845945" y="4077335"/>
-            <a:ext cx="5966460" cy="1036320"/>
-          </a:xfrm>
-          <a:prstGeom prst="rect">
-            <a:avLst/>
-          </a:prstGeom>
-        </p:spPr>
-      </p:pic>
-      <p:pic>
-        <p:nvPicPr>
-          <p:cNvPr id="8" name="图片 7"/>
-          <p:cNvPicPr>
-            <a:picLocks noChangeAspect="1"/>
-          </p:cNvPicPr>
-          <p:nvPr/>
-        </p:nvPicPr>
-        <p:blipFill>
-          <a:blip r:embed="rId5"/>
-          <a:stretch>
-            <a:fillRect/>
-          </a:stretch>
-        </p:blipFill>
-        <p:spPr>
-          <a:xfrm>
-            <a:off x="1845945" y="5222875"/>
-            <a:ext cx="2720340" cy="601980"/>
+            <a:off x="2826385" y="1332865"/>
+            <a:ext cx="6570980" cy="5435600"/>
           </a:xfrm>
           <a:prstGeom prst="rect">
             <a:avLst/>
@@ -4849,12 +4562,6 @@
 </file>
 
 <file path=ppt/tags/tag1.xml><?xml version="1.0" encoding="utf-8"?>
-<p:tagLst xmlns:p="http://schemas.openxmlformats.org/presentationml/2006/main">
-  <p:tag name="KSO_WM_BEAUTIFY_FLAG" val=""/>
-</p:tagLst>
-</file>
-
-<file path=ppt/tags/tag2.xml><?xml version="1.0" encoding="utf-8"?>
 <p:tagLst xmlns:p="http://schemas.openxmlformats.org/presentationml/2006/main">
   <p:tag name="KSO_WPP_MARK_KEY" val="2081c296-19d4-4222-96dc-481bcef9e505"/>
   <p:tag name="COMMONDATA" val="eyJoZGlkIjoiZmVhYjExMDlhNTEyNzM3ZmZhMDU0MmM0NTlhMjcwYzAifQ=="/>
